--- a/final ppt.pptx
+++ b/final ppt.pptx
@@ -2111,8 +2111,8 @@
         </p:nvSpPr>
         <p:spPr>
           <a:xfrm>
-            <a:off x="2857500" y="512763"/>
-            <a:ext cx="3429000" cy="2566987"/>
+            <a:off x="2290763" y="512763"/>
+            <a:ext cx="4562475" cy="2566987"/>
           </a:xfrm>
           <a:prstGeom prst="rect">
             <a:avLst/>
@@ -5590,7 +5590,7 @@
         <p:spPr>
           <a:xfrm>
             <a:off x="699600" y="2577919"/>
-            <a:ext cx="11059275" cy="4090222"/>
+            <a:ext cx="11059275" cy="2710550"/>
           </a:xfrm>
           <a:prstGeom prst="rect">
             <a:avLst/>
@@ -5616,7 +5616,24 @@
                 <a:ea typeface="Calibri Light" panose="020F0302020204030204" pitchFamily="34" charset="0"/>
                 <a:cs typeface="Calibri Light" panose="020F0302020204030204" pitchFamily="34" charset="0"/>
               </a:rPr>
-              <a:t>In this project, we've created a chat app that works like a virtual meeting place. It lets people chat and hang out online in real-time, just like talking in person. It's simple to use, from the moment you log in to having fun conversations, and you can easily log out when you're finished. It's like a cool virtual hangout spot for chatting with friends.</a:t>
+              <a:t>In this project, we've created a chat app </a:t>
+            </a:r>
+            <a:r>
+              <a:rPr lang="en-US" sz="3200" dirty="0">
+                <a:latin typeface="Aptos Display" panose="020B0004020202020204" pitchFamily="34" charset="0"/>
+                <a:ea typeface="Calibri Light" panose="020F0302020204030204" pitchFamily="34" charset="0"/>
+                <a:cs typeface="Calibri Light" panose="020F0302020204030204" pitchFamily="34" charset="0"/>
+              </a:rPr>
+              <a:t>that</a:t>
+            </a:r>
+            <a:r>
+              <a:rPr lang="en-US" sz="3200" b="0" i="0" dirty="0">
+                <a:effectLst/>
+                <a:latin typeface="Aptos Display" panose="020B0004020202020204" pitchFamily="34" charset="0"/>
+                <a:ea typeface="Calibri Light" panose="020F0302020204030204" pitchFamily="34" charset="0"/>
+                <a:cs typeface="Calibri Light" panose="020F0302020204030204" pitchFamily="34" charset="0"/>
+              </a:rPr>
+              <a:t> lets people chat and hang out online in real-time. It's simple to use, from the moment you log in to having conversations, and you can easily log out when you're finished. </a:t>
             </a:r>
             <a:endParaRPr lang="en-US" sz="3000" dirty="0">
               <a:latin typeface="Aptos Display" panose="020B0004020202020204" pitchFamily="34" charset="0"/>
@@ -5777,7 +5794,7 @@
                 </a:solidFill>
                 <a:latin typeface="Arimo"/>
               </a:rPr>
-              <a:t>Can be used for real time communication between multiple people from different parts of the world. </a:t>
+              <a:t>Can be used for real time communication between multiple people from anywhere. </a:t>
             </a:r>
           </a:p>
           <a:p>
@@ -6769,7 +6786,7 @@
         <p:spPr>
           <a:xfrm>
             <a:off x="0" y="1028700"/>
-            <a:ext cx="18456600" cy="8930202"/>
+            <a:ext cx="18456600" cy="8289000"/>
           </a:xfrm>
           <a:prstGeom prst="rect">
             <a:avLst/>
@@ -6882,27 +6899,25 @@
                 <a:latin typeface="Aptos Display" panose="020B0004020202020204" pitchFamily="34" charset="0"/>
                 <a:sym typeface="Wingdings" panose="05000000000000000000" pitchFamily="2" charset="2"/>
               </a:rPr>
-              <a:t>			index.html</a:t>
-            </a:r>
-            <a:br>
-              <a:rPr lang="en-US" sz="3200" dirty="0">
+              <a:t>			index</a:t>
+            </a:r>
+            <a:r>
+              <a:rPr lang="en-US" sz="3200">
                 <a:solidFill>
                   <a:srgbClr val="000000"/>
                 </a:solidFill>
                 <a:latin typeface="Aptos Display" panose="020B0004020202020204" pitchFamily="34" charset="0"/>
                 <a:sym typeface="Wingdings" panose="05000000000000000000" pitchFamily="2" charset="2"/>
               </a:rPr>
-            </a:br>
-            <a:r>
-              <a:rPr lang="en-US" sz="3200" dirty="0">
-                <a:solidFill>
-                  <a:srgbClr val="000000"/>
-                </a:solidFill>
-                <a:latin typeface="Aptos Display" panose="020B0004020202020204" pitchFamily="34" charset="0"/>
-                <a:sym typeface="Wingdings" panose="05000000000000000000" pitchFamily="2" charset="2"/>
-              </a:rPr>
-              <a:t>			styles.css</a:t>
-            </a:r>
+              <a:t>.html</a:t>
+            </a:r>
+            <a:endParaRPr lang="en-US" sz="3200" dirty="0">
+              <a:solidFill>
+                <a:srgbClr val="000000"/>
+              </a:solidFill>
+              <a:latin typeface="Aptos Display" panose="020B0004020202020204" pitchFamily="34" charset="0"/>
+              <a:sym typeface="Wingdings" panose="05000000000000000000" pitchFamily="2" charset="2"/>
+            </a:endParaRPr>
           </a:p>
           <a:p>
             <a:pPr algn="l">
@@ -7196,11 +7211,11 @@
               </a:lnSpc>
             </a:pPr>
             <a:r>
-              <a:rPr lang="en-US" sz="12000">
+              <a:rPr lang="en-US" sz="12000" dirty="0">
                 <a:solidFill>
                   <a:srgbClr val="000000"/>
                 </a:solidFill>
-                <a:latin typeface="Arimo Bold"/>
+                <a:latin typeface="Aptos Display" panose="020B0004020202020204" pitchFamily="34" charset="0"/>
               </a:rPr>
               <a:t>Thank You </a:t>
             </a:r>
